--- a/SolutionItems/Documents/Skecthes.pptx
+++ b/SolutionItems/Documents/Skecthes.pptx
@@ -11,9 +11,9 @@
     <p:sldId id="263" r:id="rId22"/>
     <p:sldId id="265" r:id="rId23"/>
     <p:sldId id="266" r:id="rId24"/>
-    <p:sldId id="268" r:id="rId25"/>
+    <p:sldId id="279" r:id="rId25"/>
     <p:sldId id="269" r:id="rId26"/>
-    <p:sldId id="278" r:id="rId27"/>
+    <p:sldId id="280" r:id="rId27"/>
     <p:sldId id="271" r:id="rId28"/>
     <p:sldId id="272" r:id="rId29"/>
     <p:sldId id="273" r:id="rId30"/>
@@ -302,7 +302,7 @@
           <a:p>
             <a:fld id="{A23720DD-5B6D-40BF-8493-A6B52D484E6B}" type="datetimeFigureOut">
               <a:rPr lang="tr-TR" smtClean="0"/>
-              <a:t>31.03.2016</a:t>
+              <a:t>01.04.2016</a:t>
             </a:fld>
             <a:endParaRPr lang="tr-TR"/>
           </a:p>
@@ -472,7 +472,7 @@
           <a:p>
             <a:fld id="{A23720DD-5B6D-40BF-8493-A6B52D484E6B}" type="datetimeFigureOut">
               <a:rPr lang="tr-TR" smtClean="0"/>
-              <a:t>31.03.2016</a:t>
+              <a:t>01.04.2016</a:t>
             </a:fld>
             <a:endParaRPr lang="tr-TR"/>
           </a:p>
@@ -652,7 +652,7 @@
           <a:p>
             <a:fld id="{A23720DD-5B6D-40BF-8493-A6B52D484E6B}" type="datetimeFigureOut">
               <a:rPr lang="tr-TR" smtClean="0"/>
-              <a:t>31.03.2016</a:t>
+              <a:t>01.04.2016</a:t>
             </a:fld>
             <a:endParaRPr lang="tr-TR"/>
           </a:p>
@@ -822,7 +822,7 @@
           <a:p>
             <a:fld id="{A23720DD-5B6D-40BF-8493-A6B52D484E6B}" type="datetimeFigureOut">
               <a:rPr lang="tr-TR" smtClean="0"/>
-              <a:t>31.03.2016</a:t>
+              <a:t>01.04.2016</a:t>
             </a:fld>
             <a:endParaRPr lang="tr-TR"/>
           </a:p>
@@ -1068,7 +1068,7 @@
           <a:p>
             <a:fld id="{A23720DD-5B6D-40BF-8493-A6B52D484E6B}" type="datetimeFigureOut">
               <a:rPr lang="tr-TR" smtClean="0"/>
-              <a:t>31.03.2016</a:t>
+              <a:t>01.04.2016</a:t>
             </a:fld>
             <a:endParaRPr lang="tr-TR"/>
           </a:p>
@@ -1356,7 +1356,7 @@
           <a:p>
             <a:fld id="{A23720DD-5B6D-40BF-8493-A6B52D484E6B}" type="datetimeFigureOut">
               <a:rPr lang="tr-TR" smtClean="0"/>
-              <a:t>31.03.2016</a:t>
+              <a:t>01.04.2016</a:t>
             </a:fld>
             <a:endParaRPr lang="tr-TR"/>
           </a:p>
@@ -1778,7 +1778,7 @@
           <a:p>
             <a:fld id="{A23720DD-5B6D-40BF-8493-A6B52D484E6B}" type="datetimeFigureOut">
               <a:rPr lang="tr-TR" smtClean="0"/>
-              <a:t>31.03.2016</a:t>
+              <a:t>01.04.2016</a:t>
             </a:fld>
             <a:endParaRPr lang="tr-TR"/>
           </a:p>
@@ -1896,7 +1896,7 @@
           <a:p>
             <a:fld id="{A23720DD-5B6D-40BF-8493-A6B52D484E6B}" type="datetimeFigureOut">
               <a:rPr lang="tr-TR" smtClean="0"/>
-              <a:t>31.03.2016</a:t>
+              <a:t>01.04.2016</a:t>
             </a:fld>
             <a:endParaRPr lang="tr-TR"/>
           </a:p>
@@ -1991,7 +1991,7 @@
           <a:p>
             <a:fld id="{A23720DD-5B6D-40BF-8493-A6B52D484E6B}" type="datetimeFigureOut">
               <a:rPr lang="tr-TR" smtClean="0"/>
-              <a:t>31.03.2016</a:t>
+              <a:t>01.04.2016</a:t>
             </a:fld>
             <a:endParaRPr lang="tr-TR"/>
           </a:p>
@@ -2268,7 +2268,7 @@
           <a:p>
             <a:fld id="{A23720DD-5B6D-40BF-8493-A6B52D484E6B}" type="datetimeFigureOut">
               <a:rPr lang="tr-TR" smtClean="0"/>
-              <a:t>31.03.2016</a:t>
+              <a:t>01.04.2016</a:t>
             </a:fld>
             <a:endParaRPr lang="tr-TR"/>
           </a:p>
@@ -2521,7 +2521,7 @@
           <a:p>
             <a:fld id="{A23720DD-5B6D-40BF-8493-A6B52D484E6B}" type="datetimeFigureOut">
               <a:rPr lang="tr-TR" smtClean="0"/>
-              <a:t>31.03.2016</a:t>
+              <a:t>01.04.2016</a:t>
             </a:fld>
             <a:endParaRPr lang="tr-TR"/>
           </a:p>
@@ -2734,7 +2734,7 @@
           <a:p>
             <a:fld id="{A23720DD-5B6D-40BF-8493-A6B52D484E6B}" type="datetimeFigureOut">
               <a:rPr lang="tr-TR" smtClean="0"/>
-              <a:t>31.03.2016</a:t>
+              <a:t>01.04.2016</a:t>
             </a:fld>
             <a:endParaRPr lang="tr-TR"/>
           </a:p>
@@ -3749,11 +3749,11 @@
             </a:pPr>
             <a:r>
               <a:rPr lang="en-US" sz="1200" dirty="0" smtClean="0"/>
-              <a:t>Every element can have its own fields &amp; items – clicking on an element means drill down and show that </a:t>
+              <a:t>Every element can have its own fields &amp; items – when clicking on an element,  it shows that elements details </a:t>
             </a:r>
             <a:r>
               <a:rPr lang="en-US" sz="1200" dirty="0"/>
-              <a:t>element (</a:t>
+              <a:t>(</a:t>
             </a:r>
             <a:r>
               <a:rPr lang="en-US" sz="1200" dirty="0">
@@ -3899,7 +3899,7 @@
         </p:nvSpPr>
         <p:spPr>
           <a:xfrm>
-            <a:off x="2452936" y="3861048"/>
+            <a:off x="2411760" y="3573016"/>
             <a:ext cx="263214" cy="276999"/>
           </a:xfrm>
           <a:prstGeom prst="rect">
@@ -3937,7 +3937,7 @@
         </p:nvSpPr>
         <p:spPr>
           <a:xfrm>
-            <a:off x="3923928" y="3874948"/>
+            <a:off x="3923928" y="3573016"/>
             <a:ext cx="263214" cy="276999"/>
           </a:xfrm>
           <a:prstGeom prst="rect">
@@ -8306,7 +8306,7 @@
         </p:nvSpPr>
         <p:spPr>
           <a:xfrm>
-            <a:off x="1348681" y="6381328"/>
+            <a:off x="340569" y="6331694"/>
             <a:ext cx="631031" cy="193650"/>
           </a:xfrm>
           <a:prstGeom prst="rect">
@@ -8351,7 +8351,7 @@
         </p:nvSpPr>
         <p:spPr>
           <a:xfrm>
-            <a:off x="395536" y="6381328"/>
+            <a:off x="395536" y="6475710"/>
             <a:ext cx="1080120" cy="193650"/>
           </a:xfrm>
           <a:prstGeom prst="rect">
@@ -8568,7 +8568,7 @@
             </a:pPr>
             <a:r>
               <a:rPr lang="en-US" sz="1200" dirty="0" smtClean="0"/>
-              <a:t>Currently there are both login / register page &amp; popup. Later hopefully there will only be popup.</a:t>
+              <a:t>Currently there are both login / register pages &amp; popup. Later hopefully there will only be popup left.</a:t>
             </a:r>
           </a:p>
           <a:p>
@@ -8604,9 +8604,62 @@
             </a:r>
             <a:r>
               <a:rPr lang="en-US" sz="1200" dirty="0" smtClean="0"/>
-              <a:t> links – should all be in the footer or only at the bottom of home page?</a:t>
+              <a:t> links – should all be in the footer or only at the bottom of home page</a:t>
+            </a:r>
+            <a:r>
+              <a:rPr lang="en-US" sz="1200" dirty="0" smtClean="0"/>
+              <a:t>?</a:t>
+            </a:r>
+            <a:endParaRPr lang="tr-TR" sz="1200" dirty="0" smtClean="0"/>
+          </a:p>
+          <a:p>
+            <a:pPr>
+              <a:buFont typeface="+mj-lt"/>
+              <a:buAutoNum type="arabicPeriod"/>
+            </a:pPr>
+            <a:r>
+              <a:rPr lang="en-US" sz="1200" dirty="0" smtClean="0"/>
+              <a:t>Home page and some articles may have custom (info)graphic for quick explanations</a:t>
             </a:r>
             <a:endParaRPr lang="tr-TR" sz="1200" dirty="0"/>
+          </a:p>
+        </p:txBody>
+      </p:sp>
+      <p:sp>
+        <p:nvSpPr>
+          <p:cNvPr id="19" name="Metin kutusu 18"/>
+          <p:cNvSpPr txBox="1"/>
+          <p:nvPr/>
+        </p:nvSpPr>
+        <p:spPr>
+          <a:xfrm>
+            <a:off x="683568" y="1700808"/>
+            <a:ext cx="263214" cy="276999"/>
+          </a:xfrm>
+          <a:prstGeom prst="rect">
+            <a:avLst/>
+          </a:prstGeom>
+          <a:noFill/>
+        </p:spPr>
+        <p:txBody>
+          <a:bodyPr wrap="none" rtlCol="0">
+            <a:spAutoFit/>
+          </a:bodyPr>
+          <a:lstStyle/>
+          <a:p>
+            <a:r>
+              <a:rPr lang="tr-TR" sz="1200" dirty="0" smtClean="0">
+                <a:solidFill>
+                  <a:srgbClr val="FF0000"/>
+                </a:solidFill>
+              </a:rPr>
+              <a:t>4</a:t>
+            </a:r>
+            <a:endParaRPr lang="tr-TR" sz="1200" dirty="0">
+              <a:solidFill>
+                <a:srgbClr val="FF0000"/>
+              </a:solidFill>
+            </a:endParaRPr>
           </a:p>
         </p:txBody>
       </p:sp>
@@ -11628,7 +11681,7 @@
       </p:grpSpPr>
       <p:sp>
         <p:nvSpPr>
-          <p:cNvPr id="2" name="Başlık 1"/>
+          <p:cNvPr id="4" name="Başlık 3"/>
           <p:cNvSpPr>
             <a:spLocks noGrp="1"/>
           </p:cNvSpPr>
@@ -11643,7 +11696,7 @@
           <a:p>
             <a:r>
               <a:rPr lang="en-US" dirty="0" smtClean="0"/>
-              <a:t>Example</a:t>
+              <a:t>Examples</a:t>
             </a:r>
             <a:endParaRPr lang="tr-TR" dirty="0"/>
           </a:p>
@@ -11651,7 +11704,7 @@
       </p:sp>
       <p:sp>
         <p:nvSpPr>
-          <p:cNvPr id="3" name="Metin Yer Tutucusu 2"/>
+          <p:cNvPr id="5" name="Metin Yer Tutucusu 4"/>
           <p:cNvSpPr>
             <a:spLocks noGrp="1"/>
           </p:cNvSpPr>
@@ -11659,20 +11712,15 @@
             <p:ph type="body" idx="1"/>
           </p:nvPr>
         </p:nvSpPr>
-        <p:spPr>
-          <a:xfrm>
-            <a:off x="457200" y="1535113"/>
-            <a:ext cx="8219256" cy="639762"/>
-          </a:xfrm>
-        </p:spPr>
+        <p:spPr/>
         <p:txBody>
           <a:bodyPr>
-            <a:normAutofit fontScale="77500" lnSpcReduction="20000"/>
+            <a:normAutofit fontScale="55000" lnSpcReduction="20000"/>
           </a:bodyPr>
           <a:lstStyle/>
           <a:p>
             <a:r>
-              <a:rPr lang="en-US" dirty="0" smtClean="0"/>
+              <a:rPr lang="en-US" dirty="0"/>
               <a:t>Current (search &amp;) list page;</a:t>
             </a:r>
           </a:p>
@@ -11684,9 +11732,40 @@
           </a:p>
         </p:txBody>
       </p:sp>
+      <p:sp>
+        <p:nvSpPr>
+          <p:cNvPr id="7" name="Metin Yer Tutucusu 6"/>
+          <p:cNvSpPr>
+            <a:spLocks noGrp="1"/>
+          </p:cNvSpPr>
+          <p:nvPr>
+            <p:ph type="body" sz="quarter" idx="3"/>
+          </p:nvPr>
+        </p:nvSpPr>
+        <p:spPr/>
+        <p:txBody>
+          <a:bodyPr>
+            <a:normAutofit fontScale="55000" lnSpcReduction="20000"/>
+          </a:bodyPr>
+          <a:lstStyle/>
+          <a:p>
+            <a:r>
+              <a:rPr lang="en-US" dirty="0" smtClean="0"/>
+              <a:t>Search result from Kickstarter</a:t>
+            </a:r>
+          </a:p>
+          <a:p>
+            <a:r>
+              <a:rPr lang="en-US" dirty="0" smtClean="0"/>
+              <a:t>(Results can be blocks like these, instead of one line?)</a:t>
+            </a:r>
+            <a:endParaRPr lang="en-US" dirty="0"/>
+          </a:p>
+        </p:txBody>
+      </p:sp>
       <p:pic>
         <p:nvPicPr>
-          <p:cNvPr id="4099" name="Picture 3"/>
+          <p:cNvPr id="18" name="Picture 3"/>
           <p:cNvPicPr>
             <a:picLocks noGrp="1" noChangeAspect="1" noChangeArrowheads="1"/>
           </p:cNvPicPr>
@@ -11709,8 +11788,8 @@
         </p:blipFill>
         <p:spPr bwMode="auto">
           <a:xfrm>
-            <a:off x="1689894" y="2421731"/>
-            <a:ext cx="5753100" cy="3457575"/>
+            <a:off x="457200" y="2936456"/>
+            <a:ext cx="4040188" cy="2428126"/>
           </a:xfrm>
           <a:prstGeom prst="rect">
             <a:avLst/>
@@ -11740,10 +11819,66 @@
           </a:extLst>
         </p:spPr>
       </p:pic>
+      <p:pic>
+        <p:nvPicPr>
+          <p:cNvPr id="1028" name="Picture 4"/>
+          <p:cNvPicPr>
+            <a:picLocks noGrp="1" noChangeAspect="1" noChangeArrowheads="1"/>
+          </p:cNvPicPr>
+          <p:nvPr>
+            <p:ph sz="quarter" idx="4"/>
+          </p:nvPr>
+        </p:nvPicPr>
+        <p:blipFill>
+          <a:blip r:embed="rId3">
+            <a:extLst>
+              <a:ext uri="{28A0092B-C50C-407E-A947-70E740481C1C}">
+                <a14:useLocalDpi xmlns:a14="http://schemas.microsoft.com/office/drawing/2010/main" val="0"/>
+              </a:ext>
+            </a:extLst>
+          </a:blip>
+          <a:srcRect/>
+          <a:stretch>
+            <a:fillRect/>
+          </a:stretch>
+        </p:blipFill>
+        <p:spPr bwMode="auto">
+          <a:xfrm>
+            <a:off x="4645025" y="2989061"/>
+            <a:ext cx="4041775" cy="2322915"/>
+          </a:xfrm>
+          <a:prstGeom prst="rect">
+            <a:avLst/>
+          </a:prstGeom>
+          <a:noFill/>
+          <a:ln>
+            <a:noFill/>
+          </a:ln>
+          <a:extLst>
+            <a:ext uri="{909E8E84-426E-40DD-AFC4-6F175D3DCCD1}">
+              <a14:hiddenFill xmlns:a14="http://schemas.microsoft.com/office/drawing/2010/main">
+                <a:solidFill>
+                  <a:schemeClr val="accent1"/>
+                </a:solidFill>
+              </a14:hiddenFill>
+            </a:ext>
+            <a:ext uri="{91240B29-F687-4F45-9708-019B960494DF}">
+              <a14:hiddenLine xmlns:a14="http://schemas.microsoft.com/office/drawing/2010/main" w="9525">
+                <a:solidFill>
+                  <a:schemeClr val="tx1"/>
+                </a:solidFill>
+                <a:miter lim="800000"/>
+                <a:headEnd/>
+                <a:tailEnd/>
+              </a14:hiddenLine>
+            </a:ext>
+          </a:extLst>
+        </p:spPr>
+      </p:pic>
     </p:spTree>
     <p:extLst>
       <p:ext uri="{BB962C8B-B14F-4D97-AF65-F5344CB8AC3E}">
-        <p14:creationId xmlns:p14="http://schemas.microsoft.com/office/powerpoint/2010/main" val="2135022440"/>
+        <p14:creationId xmlns:p14="http://schemas.microsoft.com/office/powerpoint/2010/main" val="1723711455"/>
       </p:ext>
     </p:extLst>
   </p:cSld>
@@ -12318,52 +12453,6 @@
             <a:r>
               <a:rPr lang="en-US" sz="1200" dirty="0" smtClean="0"/>
               <a:t>Projects created by this user</a:t>
-            </a:r>
-            <a:endParaRPr lang="tr-TR" sz="1200" dirty="0"/>
-          </a:p>
-        </p:txBody>
-      </p:sp>
-      <p:sp>
-        <p:nvSpPr>
-          <p:cNvPr id="22" name="Başlık 1"/>
-          <p:cNvSpPr txBox="1">
-            <a:spLocks/>
-          </p:cNvSpPr>
-          <p:nvPr/>
-        </p:nvSpPr>
-        <p:spPr>
-          <a:xfrm>
-            <a:off x="249560" y="1340768"/>
-            <a:ext cx="1010072" cy="193650"/>
-          </a:xfrm>
-          <a:prstGeom prst="rect">
-            <a:avLst/>
-          </a:prstGeom>
-        </p:spPr>
-        <p:txBody>
-          <a:bodyPr vert="horz" lIns="91440" tIns="45720" rIns="91440" bIns="45720" rtlCol="0" anchor="ctr">
-            <a:normAutofit fontScale="70000" lnSpcReduction="20000"/>
-          </a:bodyPr>
-          <a:lstStyle>
-            <a:lvl1pPr algn="ctr" defTabSz="914400" rtl="0" eaLnBrk="1" latinLnBrk="0" hangingPunct="1">
-              <a:spcBef>
-                <a:spcPct val="0"/>
-              </a:spcBef>
-              <a:buNone/>
-              <a:defRPr sz="4400" kern="1200">
-                <a:solidFill>
-                  <a:schemeClr val="tx1"/>
-                </a:solidFill>
-                <a:latin typeface="+mj-lt"/>
-                <a:ea typeface="+mj-ea"/>
-                <a:cs typeface="+mj-cs"/>
-              </a:defRPr>
-            </a:lvl1pPr>
-          </a:lstStyle>
-          <a:p>
-            <a:r>
-              <a:rPr lang="en-US" sz="1200" dirty="0" smtClean="0"/>
-              <a:t>[Username] (1)</a:t>
             </a:r>
             <a:endParaRPr lang="tr-TR" sz="1200" dirty="0"/>
           </a:p>
@@ -12829,6 +12918,52 @@
           </a:p>
         </p:txBody>
       </p:sp>
+      <p:sp>
+        <p:nvSpPr>
+          <p:cNvPr id="28" name="Başlık 1"/>
+          <p:cNvSpPr txBox="1">
+            <a:spLocks/>
+          </p:cNvSpPr>
+          <p:nvPr/>
+        </p:nvSpPr>
+        <p:spPr>
+          <a:xfrm>
+            <a:off x="251520" y="1507158"/>
+            <a:ext cx="1010072" cy="193650"/>
+          </a:xfrm>
+          <a:prstGeom prst="rect">
+            <a:avLst/>
+          </a:prstGeom>
+        </p:spPr>
+        <p:txBody>
+          <a:bodyPr vert="horz" lIns="91440" tIns="45720" rIns="91440" bIns="45720" rtlCol="0" anchor="ctr">
+            <a:normAutofit fontScale="70000" lnSpcReduction="20000"/>
+          </a:bodyPr>
+          <a:lstStyle>
+            <a:lvl1pPr algn="ctr" defTabSz="914400" rtl="0" eaLnBrk="1" latinLnBrk="0" hangingPunct="1">
+              <a:spcBef>
+                <a:spcPct val="0"/>
+              </a:spcBef>
+              <a:buNone/>
+              <a:defRPr sz="4400" kern="1200">
+                <a:solidFill>
+                  <a:schemeClr val="tx1"/>
+                </a:solidFill>
+                <a:latin typeface="+mj-lt"/>
+                <a:ea typeface="+mj-ea"/>
+                <a:cs typeface="+mj-cs"/>
+              </a:defRPr>
+            </a:lvl1pPr>
+          </a:lstStyle>
+          <a:p>
+            <a:r>
+              <a:rPr lang="en-US" sz="1200" dirty="0" smtClean="0"/>
+              <a:t>[Username] (1)</a:t>
+            </a:r>
+            <a:endParaRPr lang="tr-TR" sz="1200" dirty="0"/>
+          </a:p>
+        </p:txBody>
+      </p:sp>
     </p:spTree>
     <p:extLst>
       <p:ext uri="{BB962C8B-B14F-4D97-AF65-F5344CB8AC3E}">
@@ -12868,7 +13003,7 @@
       </p:grpSpPr>
       <p:sp>
         <p:nvSpPr>
-          <p:cNvPr id="2" name="Başlık 1"/>
+          <p:cNvPr id="4" name="Başlık 3"/>
           <p:cNvSpPr>
             <a:spLocks noGrp="1"/>
           </p:cNvSpPr>
@@ -12876,77 +13011,95 @@
             <p:ph type="title"/>
           </p:nvPr>
         </p:nvSpPr>
-        <p:spPr>
-          <a:xfrm>
-            <a:off x="457200" y="274638"/>
-            <a:ext cx="8229600" cy="562074"/>
-          </a:xfrm>
-        </p:spPr>
+        <p:spPr/>
+        <p:txBody>
+          <a:bodyPr/>
+          <a:lstStyle/>
+          <a:p>
+            <a:r>
+              <a:rPr lang="en-US" dirty="0" smtClean="0"/>
+              <a:t>Examples</a:t>
+            </a:r>
+            <a:endParaRPr lang="tr-TR" dirty="0"/>
+          </a:p>
+        </p:txBody>
+      </p:sp>
+      <p:sp>
+        <p:nvSpPr>
+          <p:cNvPr id="5" name="Metin Yer Tutucusu 4"/>
+          <p:cNvSpPr>
+            <a:spLocks noGrp="1"/>
+          </p:cNvSpPr>
+          <p:nvPr>
+            <p:ph type="body" idx="1"/>
+          </p:nvPr>
+        </p:nvSpPr>
+        <p:spPr/>
         <p:txBody>
           <a:bodyPr>
-            <a:normAutofit/>
+            <a:normAutofit fontScale="77500" lnSpcReduction="20000"/>
           </a:bodyPr>
           <a:lstStyle/>
           <a:p>
             <a:r>
-              <a:rPr lang="en-US" sz="2800" dirty="0"/>
-              <a:t>Example</a:t>
-            </a:r>
-            <a:endParaRPr lang="tr-TR" sz="2800" dirty="0"/>
-          </a:p>
-        </p:txBody>
-      </p:sp>
-      <p:sp>
-        <p:nvSpPr>
-          <p:cNvPr id="20" name="İçerik Yer Tutucusu 11"/>
+              <a:rPr lang="en-US" dirty="0"/>
+              <a:t>Current profile page;</a:t>
+            </a:r>
+          </a:p>
+          <a:p>
+            <a:r>
+              <a:rPr lang="tr-TR" dirty="0"/>
+              <a:t>https://wealth.forcrowd.org/coni2k</a:t>
+            </a:r>
+          </a:p>
+        </p:txBody>
+      </p:sp>
+      <p:sp>
+        <p:nvSpPr>
+          <p:cNvPr id="7" name="Metin Yer Tutucusu 6"/>
           <p:cNvSpPr>
             <a:spLocks noGrp="1"/>
           </p:cNvSpPr>
           <p:nvPr>
-            <p:ph idx="1"/>
+            <p:ph type="body" sz="quarter" idx="3"/>
           </p:nvPr>
         </p:nvSpPr>
-        <p:spPr>
-          <a:xfrm>
-            <a:off x="6732240" y="1600200"/>
-            <a:ext cx="1954560" cy="4525963"/>
-          </a:xfrm>
-        </p:spPr>
+        <p:spPr/>
         <p:txBody>
           <a:bodyPr>
-            <a:normAutofit/>
+            <a:normAutofit fontScale="77500" lnSpcReduction="20000"/>
           </a:bodyPr>
           <a:lstStyle/>
           <a:p>
-            <a:pPr>
-              <a:buFont typeface="+mj-lt"/>
-              <a:buAutoNum type="arabicPeriod"/>
-            </a:pPr>
-            <a:r>
-              <a:rPr lang="en-US" sz="1200" dirty="0"/>
-              <a:t>Create New </a:t>
-            </a:r>
-            <a:r>
-              <a:rPr lang="en-US" sz="1200" dirty="0" smtClean="0"/>
-              <a:t>only </a:t>
-            </a:r>
-            <a:r>
-              <a:rPr lang="en-US" sz="1200" dirty="0"/>
-              <a:t>will be displayed if the user logged in</a:t>
+            <a:r>
+              <a:rPr lang="en-US" dirty="0" err="1" smtClean="0"/>
+              <a:t>Github</a:t>
+            </a:r>
+            <a:r>
+              <a:rPr lang="en-US" dirty="0" smtClean="0"/>
+              <a:t> profile page;</a:t>
+            </a:r>
+          </a:p>
+          <a:p>
+            <a:r>
+              <a:rPr lang="en-US" dirty="0"/>
+              <a:t>https://github.com/coni2k</a:t>
             </a:r>
           </a:p>
         </p:txBody>
       </p:sp>
       <p:pic>
         <p:nvPicPr>
-          <p:cNvPr id="19" name="Picture 4"/>
+          <p:cNvPr id="12" name="Picture 4"/>
           <p:cNvPicPr>
-            <a:picLocks noChangeAspect="1" noChangeArrowheads="1"/>
+            <a:picLocks noGrp="1" noChangeAspect="1" noChangeArrowheads="1"/>
           </p:cNvPicPr>
-          <p:nvPr/>
+          <p:nvPr>
+            <p:ph sz="half" idx="2"/>
+          </p:nvPr>
         </p:nvPicPr>
         <p:blipFill>
-          <a:blip r:embed="rId2">
+          <a:blip r:embed="rId2" cstate="print">
             <a:extLst>
               <a:ext uri="{28A0092B-C50C-407E-A947-70E740481C1C}">
                 <a14:useLocalDpi xmlns:a14="http://schemas.microsoft.com/office/drawing/2010/main" val="0"/>
@@ -12960,8 +13113,8 @@
         </p:blipFill>
         <p:spPr bwMode="auto">
           <a:xfrm>
-            <a:off x="469479" y="2348880"/>
-            <a:ext cx="5990863" cy="2376264"/>
+            <a:off x="457200" y="2420888"/>
+            <a:ext cx="4040188" cy="1602532"/>
           </a:xfrm>
           <a:prstGeom prst="rect">
             <a:avLst/>
@@ -12991,227 +13144,66 @@
           </a:extLst>
         </p:spPr>
       </p:pic>
-      <p:sp>
-        <p:nvSpPr>
-          <p:cNvPr id="30" name="Metin Yer Tutucusu 2"/>
-          <p:cNvSpPr txBox="1">
-            <a:spLocks/>
-          </p:cNvSpPr>
-          <p:nvPr/>
-        </p:nvSpPr>
-        <p:spPr>
-          <a:xfrm>
-            <a:off x="457200" y="1535113"/>
-            <a:ext cx="8219256" cy="639762"/>
+      <p:pic>
+        <p:nvPicPr>
+          <p:cNvPr id="1026" name="Picture 2"/>
+          <p:cNvPicPr>
+            <a:picLocks noGrp="1" noChangeAspect="1" noChangeArrowheads="1"/>
+          </p:cNvPicPr>
+          <p:nvPr>
+            <p:ph sz="quarter" idx="4"/>
+          </p:nvPr>
+        </p:nvPicPr>
+        <p:blipFill>
+          <a:blip r:embed="rId3" cstate="print">
+            <a:extLst>
+              <a:ext uri="{28A0092B-C50C-407E-A947-70E740481C1C}">
+                <a14:useLocalDpi xmlns:a14="http://schemas.microsoft.com/office/drawing/2010/main" val="0"/>
+              </a:ext>
+            </a:extLst>
+          </a:blip>
+          <a:srcRect/>
+          <a:stretch>
+            <a:fillRect/>
+          </a:stretch>
+        </p:blipFill>
+        <p:spPr bwMode="auto">
+          <a:xfrm>
+            <a:off x="4645025" y="2384548"/>
+            <a:ext cx="4041775" cy="2124572"/>
           </a:xfrm>
           <a:prstGeom prst="rect">
             <a:avLst/>
           </a:prstGeom>
-        </p:spPr>
-        <p:txBody>
-          <a:bodyPr vert="horz" lIns="91440" tIns="45720" rIns="91440" bIns="45720" rtlCol="0">
-            <a:normAutofit fontScale="55000" lnSpcReduction="20000"/>
-          </a:bodyPr>
-          <a:lstStyle>
-            <a:lvl1pPr marL="342900" indent="-342900" algn="l" defTabSz="914400" rtl="0" eaLnBrk="1" latinLnBrk="0" hangingPunct="1">
-              <a:spcBef>
-                <a:spcPct val="20000"/>
-              </a:spcBef>
-              <a:buFont typeface="Arial" panose="020B0604020202020204" pitchFamily="34" charset="0"/>
-              <a:buChar char="•"/>
-              <a:defRPr sz="3200" kern="1200">
+          <a:noFill/>
+          <a:ln>
+            <a:noFill/>
+          </a:ln>
+          <a:extLst>
+            <a:ext uri="{909E8E84-426E-40DD-AFC4-6F175D3DCCD1}">
+              <a14:hiddenFill xmlns:a14="http://schemas.microsoft.com/office/drawing/2010/main">
+                <a:solidFill>
+                  <a:schemeClr val="accent1"/>
+                </a:solidFill>
+              </a14:hiddenFill>
+            </a:ext>
+            <a:ext uri="{91240B29-F687-4F45-9708-019B960494DF}">
+              <a14:hiddenLine xmlns:a14="http://schemas.microsoft.com/office/drawing/2010/main" w="9525">
                 <a:solidFill>
                   <a:schemeClr val="tx1"/>
                 </a:solidFill>
-                <a:latin typeface="+mn-lt"/>
-                <a:ea typeface="+mn-ea"/>
-                <a:cs typeface="+mn-cs"/>
-              </a:defRPr>
-            </a:lvl1pPr>
-            <a:lvl2pPr marL="742950" indent="-285750" algn="l" defTabSz="914400" rtl="0" eaLnBrk="1" latinLnBrk="0" hangingPunct="1">
-              <a:spcBef>
-                <a:spcPct val="20000"/>
-              </a:spcBef>
-              <a:buFont typeface="Arial" panose="020B0604020202020204" pitchFamily="34" charset="0"/>
-              <a:buChar char="–"/>
-              <a:defRPr sz="2800" kern="1200">
-                <a:solidFill>
-                  <a:schemeClr val="tx1"/>
-                </a:solidFill>
-                <a:latin typeface="+mn-lt"/>
-                <a:ea typeface="+mn-ea"/>
-                <a:cs typeface="+mn-cs"/>
-              </a:defRPr>
-            </a:lvl2pPr>
-            <a:lvl3pPr marL="1143000" indent="-228600" algn="l" defTabSz="914400" rtl="0" eaLnBrk="1" latinLnBrk="0" hangingPunct="1">
-              <a:spcBef>
-                <a:spcPct val="20000"/>
-              </a:spcBef>
-              <a:buFont typeface="Arial" panose="020B0604020202020204" pitchFamily="34" charset="0"/>
-              <a:buChar char="•"/>
-              <a:defRPr sz="2400" kern="1200">
-                <a:solidFill>
-                  <a:schemeClr val="tx1"/>
-                </a:solidFill>
-                <a:latin typeface="+mn-lt"/>
-                <a:ea typeface="+mn-ea"/>
-                <a:cs typeface="+mn-cs"/>
-              </a:defRPr>
-            </a:lvl3pPr>
-            <a:lvl4pPr marL="1600200" indent="-228600" algn="l" defTabSz="914400" rtl="0" eaLnBrk="1" latinLnBrk="0" hangingPunct="1">
-              <a:spcBef>
-                <a:spcPct val="20000"/>
-              </a:spcBef>
-              <a:buFont typeface="Arial" panose="020B0604020202020204" pitchFamily="34" charset="0"/>
-              <a:buChar char="–"/>
-              <a:defRPr sz="2000" kern="1200">
-                <a:solidFill>
-                  <a:schemeClr val="tx1"/>
-                </a:solidFill>
-                <a:latin typeface="+mn-lt"/>
-                <a:ea typeface="+mn-ea"/>
-                <a:cs typeface="+mn-cs"/>
-              </a:defRPr>
-            </a:lvl4pPr>
-            <a:lvl5pPr marL="2057400" indent="-228600" algn="l" defTabSz="914400" rtl="0" eaLnBrk="1" latinLnBrk="0" hangingPunct="1">
-              <a:spcBef>
-                <a:spcPct val="20000"/>
-              </a:spcBef>
-              <a:buFont typeface="Arial" panose="020B0604020202020204" pitchFamily="34" charset="0"/>
-              <a:buChar char="»"/>
-              <a:defRPr sz="2000" kern="1200">
-                <a:solidFill>
-                  <a:schemeClr val="tx1"/>
-                </a:solidFill>
-                <a:latin typeface="+mn-lt"/>
-                <a:ea typeface="+mn-ea"/>
-                <a:cs typeface="+mn-cs"/>
-              </a:defRPr>
-            </a:lvl5pPr>
-            <a:lvl6pPr marL="2514600" indent="-228600" algn="l" defTabSz="914400" rtl="0" eaLnBrk="1" latinLnBrk="0" hangingPunct="1">
-              <a:spcBef>
-                <a:spcPct val="20000"/>
-              </a:spcBef>
-              <a:buFont typeface="Arial" panose="020B0604020202020204" pitchFamily="34" charset="0"/>
-              <a:buChar char="•"/>
-              <a:defRPr sz="2000" kern="1200">
-                <a:solidFill>
-                  <a:schemeClr val="tx1"/>
-                </a:solidFill>
-                <a:latin typeface="+mn-lt"/>
-                <a:ea typeface="+mn-ea"/>
-                <a:cs typeface="+mn-cs"/>
-              </a:defRPr>
-            </a:lvl6pPr>
-            <a:lvl7pPr marL="2971800" indent="-228600" algn="l" defTabSz="914400" rtl="0" eaLnBrk="1" latinLnBrk="0" hangingPunct="1">
-              <a:spcBef>
-                <a:spcPct val="20000"/>
-              </a:spcBef>
-              <a:buFont typeface="Arial" panose="020B0604020202020204" pitchFamily="34" charset="0"/>
-              <a:buChar char="•"/>
-              <a:defRPr sz="2000" kern="1200">
-                <a:solidFill>
-                  <a:schemeClr val="tx1"/>
-                </a:solidFill>
-                <a:latin typeface="+mn-lt"/>
-                <a:ea typeface="+mn-ea"/>
-                <a:cs typeface="+mn-cs"/>
-              </a:defRPr>
-            </a:lvl7pPr>
-            <a:lvl8pPr marL="3429000" indent="-228600" algn="l" defTabSz="914400" rtl="0" eaLnBrk="1" latinLnBrk="0" hangingPunct="1">
-              <a:spcBef>
-                <a:spcPct val="20000"/>
-              </a:spcBef>
-              <a:buFont typeface="Arial" panose="020B0604020202020204" pitchFamily="34" charset="0"/>
-              <a:buChar char="•"/>
-              <a:defRPr sz="2000" kern="1200">
-                <a:solidFill>
-                  <a:schemeClr val="tx1"/>
-                </a:solidFill>
-                <a:latin typeface="+mn-lt"/>
-                <a:ea typeface="+mn-ea"/>
-                <a:cs typeface="+mn-cs"/>
-              </a:defRPr>
-            </a:lvl8pPr>
-            <a:lvl9pPr marL="3886200" indent="-228600" algn="l" defTabSz="914400" rtl="0" eaLnBrk="1" latinLnBrk="0" hangingPunct="1">
-              <a:spcBef>
-                <a:spcPct val="20000"/>
-              </a:spcBef>
-              <a:buFont typeface="Arial" panose="020B0604020202020204" pitchFamily="34" charset="0"/>
-              <a:buChar char="•"/>
-              <a:defRPr sz="2000" kern="1200">
-                <a:solidFill>
-                  <a:schemeClr val="tx1"/>
-                </a:solidFill>
-                <a:latin typeface="+mn-lt"/>
-                <a:ea typeface="+mn-ea"/>
-                <a:cs typeface="+mn-cs"/>
-              </a:defRPr>
-            </a:lvl9pPr>
-          </a:lstStyle>
-          <a:p>
-            <a:pPr marL="0" indent="0">
-              <a:buNone/>
-            </a:pPr>
-            <a:r>
-              <a:rPr lang="en-US" smtClean="0"/>
-              <a:t>Current profile page;</a:t>
-            </a:r>
-          </a:p>
-          <a:p>
-            <a:pPr marL="0" indent="0">
-              <a:buNone/>
-            </a:pPr>
-            <a:r>
-              <a:rPr lang="tr-TR" smtClean="0"/>
-              <a:t>https://wealth.forcrowd.org/coni2k</a:t>
-            </a:r>
-            <a:endParaRPr lang="tr-TR" dirty="0"/>
-          </a:p>
-        </p:txBody>
-      </p:sp>
-      <p:sp>
-        <p:nvSpPr>
-          <p:cNvPr id="31" name="Metin kutusu 30"/>
-          <p:cNvSpPr txBox="1"/>
-          <p:nvPr/>
-        </p:nvSpPr>
-        <p:spPr>
-          <a:xfrm>
-            <a:off x="924410" y="2935977"/>
-            <a:ext cx="263214" cy="276999"/>
-          </a:xfrm>
-          <a:prstGeom prst="rect">
-            <a:avLst/>
-          </a:prstGeom>
-          <a:noFill/>
-        </p:spPr>
-        <p:txBody>
-          <a:bodyPr wrap="none" rtlCol="0">
-            <a:spAutoFit/>
-          </a:bodyPr>
-          <a:lstStyle/>
-          <a:p>
-            <a:r>
-              <a:rPr lang="en-US" sz="1200" dirty="0" smtClean="0">
-                <a:solidFill>
-                  <a:srgbClr val="FF0000"/>
-                </a:solidFill>
-              </a:rPr>
-              <a:t>1</a:t>
-            </a:r>
-            <a:endParaRPr lang="tr-TR" sz="1200" dirty="0">
-              <a:solidFill>
-                <a:srgbClr val="FF0000"/>
-              </a:solidFill>
-            </a:endParaRPr>
-          </a:p>
-        </p:txBody>
-      </p:sp>
+                <a:miter lim="800000"/>
+                <a:headEnd/>
+                <a:tailEnd/>
+              </a14:hiddenLine>
+            </a:ext>
+          </a:extLst>
+        </p:spPr>
+      </p:pic>
     </p:spTree>
     <p:extLst>
       <p:ext uri="{BB962C8B-B14F-4D97-AF65-F5344CB8AC3E}">
-        <p14:creationId xmlns:p14="http://schemas.microsoft.com/office/powerpoint/2010/main" val="215604948"/>
+        <p14:creationId xmlns:p14="http://schemas.microsoft.com/office/powerpoint/2010/main" val="3917467380"/>
       </p:ext>
     </p:extLst>
   </p:cSld>
@@ -13515,25 +13507,25 @@
 
 <file path=customXml/item1.xml><?xml version="1.0" encoding="utf-8"?>
 <Control xmlns="http://schemas.microsoft.com/VisualStudio/2011/storyboarding/control">
-  <Id Name="System.Storyboarding.Icons.Image" Revision="1" Stencil="System.Storyboarding.Icons" StencilVersion="0.1"/>
+  <Id Name="System.Storyboarding.Common.TextArea" Revision="1" Stencil="System.Storyboarding.Common" StencilVersion="0.1"/>
 </Control>
 </file>
 
 <file path=customXml/item10.xml><?xml version="1.0" encoding="utf-8"?>
 <Control xmlns="http://schemas.microsoft.com/VisualStudio/2011/storyboarding/control">
-  <Id Name="System.Storyboarding.Common.List" Revision="1" Stencil="System.Storyboarding.Common" StencilVersion="0.1"/>
+  <Id Name="System.Storyboarding.Common.TextArea" Revision="1" Stencil="System.Storyboarding.Common" StencilVersion="0.1"/>
 </Control>
 </file>
 
 <file path=customXml/item11.xml><?xml version="1.0" encoding="utf-8"?>
 <Control xmlns="http://schemas.microsoft.com/VisualStudio/2011/storyboarding/control">
-  <Id Name="System.Storyboarding.Common.List" Revision="1" Stencil="System.Storyboarding.Common" StencilVersion="0.1"/>
+  <Id Name="System.Storyboarding.Common.TextArea" Revision="1" Stencil="System.Storyboarding.Common" StencilVersion="0.1"/>
 </Control>
 </file>
 
 <file path=customXml/item12.xml><?xml version="1.0" encoding="utf-8"?>
 <Control xmlns="http://schemas.microsoft.com/VisualStudio/2011/storyboarding/control">
-  <Id Name="System.Storyboarding.Common.ScrollbarVertical" RevisionId="68ea164d-c1de-47a5-804f-d4d1290fa524" Stencil="System.Storyboarding.Common" StencilRevisionId="68ea164d-c1de-47a5-804f-d4d1290fa524" StencilVersion="0.1"/>
+  <Id Name="System.Storyboarding.Icons.DownArrow" Revision="1" Stencil="System.Storyboarding.Icons" StencilVersion="0.1"/>
 </Control>
 </file>
 
@@ -13545,13 +13537,13 @@
 
 <file path=customXml/item14.xml><?xml version="1.0" encoding="utf-8"?>
 <Control xmlns="http://schemas.microsoft.com/VisualStudio/2011/storyboarding/control">
-  <Id Name="System.Storyboarding.Common.TextArea" Revision="1" Stencil="System.Storyboarding.Common" StencilVersion="0.1"/>
+  <Id Name="System.Storyboarding.Common.List" Revision="1" Stencil="System.Storyboarding.Common" StencilVersion="0.1"/>
 </Control>
 </file>
 
 <file path=customXml/item15.xml><?xml version="1.0" encoding="utf-8"?>
 <Control xmlns="http://schemas.microsoft.com/VisualStudio/2011/storyboarding/control">
-  <Id Name="System.Storyboarding.Common.TextArea" Revision="1" Stencil="System.Storyboarding.Common" StencilVersion="0.1"/>
+  <Id Name="System.Storyboarding.Common.ScrollbarVertical" RevisionId="68ea164d-c1de-47a5-804f-d4d1290fa524" Stencil="System.Storyboarding.Common" StencilRevisionId="68ea164d-c1de-47a5-804f-d4d1290fa524" StencilVersion="0.1"/>
 </Control>
 </file>
 
@@ -13563,37 +13555,37 @@
 
 <file path=customXml/item17.xml><?xml version="1.0" encoding="utf-8"?>
 <Control xmlns="http://schemas.microsoft.com/VisualStudio/2011/storyboarding/control">
-  <Id Name="System.Storyboarding.Common.TextArea" Revision="1" Stencil="System.Storyboarding.Common" StencilVersion="0.1"/>
+  <Id Name="System.Storyboarding.Common.ScrollbarVertical" RevisionId="68ea164d-c1de-47a5-804f-d4d1290fa524" Stencil="System.Storyboarding.Common" StencilRevisionId="68ea164d-c1de-47a5-804f-d4d1290fa524" StencilVersion="0.1"/>
 </Control>
 </file>
 
 <file path=customXml/item2.xml><?xml version="1.0" encoding="utf-8"?>
 <Control xmlns="http://schemas.microsoft.com/VisualStudio/2011/storyboarding/control">
-  <Id Name="System.Storyboarding.Common.TextArea" Revision="1" Stencil="System.Storyboarding.Common" StencilVersion="0.1"/>
+  <Id Name="System.Storyboarding.Icons.Image" Revision="1" Stencil="System.Storyboarding.Icons" StencilVersion="0.1"/>
 </Control>
 </file>
 
 <file path=customXml/item3.xml><?xml version="1.0" encoding="utf-8"?>
 <Control xmlns="http://schemas.microsoft.com/VisualStudio/2011/storyboarding/control">
-  <Id Name="System.Storyboarding.Icons.DownArrow" Revision="1" Stencil="System.Storyboarding.Icons" StencilVersion="0.1"/>
+  <Id Name="System.Storyboarding.Common.List" Revision="1" Stencil="System.Storyboarding.Common" StencilVersion="0.1"/>
 </Control>
 </file>
 
 <file path=customXml/item4.xml><?xml version="1.0" encoding="utf-8"?>
 <Control xmlns="http://schemas.microsoft.com/VisualStudio/2011/storyboarding/control">
-  <Id Name="System.Storyboarding.Common.TextArea" Revision="1" Stencil="System.Storyboarding.Common" StencilVersion="0.1"/>
+  <Id Name="System.Storyboarding.Icons.DownArrow" Revision="1" Stencil="System.Storyboarding.Icons" StencilVersion="0.1"/>
 </Control>
 </file>
 
 <file path=customXml/item5.xml><?xml version="1.0" encoding="utf-8"?>
 <Control xmlns="http://schemas.microsoft.com/VisualStudio/2011/storyboarding/control">
-  <Id Name="System.Storyboarding.Icons.DownArrow" Revision="1" Stencil="System.Storyboarding.Icons" StencilVersion="0.1"/>
+  <Id Name="System.Storyboarding.Common.TextArea" Revision="1" Stencil="System.Storyboarding.Common" StencilVersion="0.1"/>
 </Control>
 </file>
 
 <file path=customXml/item6.xml><?xml version="1.0" encoding="utf-8"?>
 <Control xmlns="http://schemas.microsoft.com/VisualStudio/2011/storyboarding/control">
-  <Id Name="System.Storyboarding.Common.TextArea" Revision="1" Stencil="System.Storyboarding.Common" StencilVersion="0.1"/>
+  <Id Name="System.Storyboarding.Common.SearchBox" Revision="1" Stencil="System.Storyboarding.Common" StencilVersion="0.1"/>
 </Control>
 </file>
 
@@ -13605,17 +13597,89 @@
 
 <file path=customXml/item8.xml><?xml version="1.0" encoding="utf-8"?>
 <Control xmlns="http://schemas.microsoft.com/VisualStudio/2011/storyboarding/control">
-  <Id Name="System.Storyboarding.Common.SearchBox" Revision="1" Stencil="System.Storyboarding.Common" StencilVersion="0.1"/>
+  <Id Name="System.Storyboarding.Common.TextArea" Revision="1" Stencil="System.Storyboarding.Common" StencilVersion="0.1"/>
 </Control>
 </file>
 
 <file path=customXml/item9.xml><?xml version="1.0" encoding="utf-8"?>
 <Control xmlns="http://schemas.microsoft.com/VisualStudio/2011/storyboarding/control">
-  <Id Name="System.Storyboarding.Common.ScrollbarVertical" RevisionId="68ea164d-c1de-47a5-804f-d4d1290fa524" Stencil="System.Storyboarding.Common" StencilRevisionId="68ea164d-c1de-47a5-804f-d4d1290fa524" StencilVersion="0.1"/>
+  <Id Name="System.Storyboarding.Common.TextArea" Revision="1" Stencil="System.Storyboarding.Common" StencilVersion="0.1"/>
 </Control>
 </file>
 
 <file path=customXml/itemProps1.xml><?xml version="1.0" encoding="utf-8"?>
+<ds:datastoreItem xmlns:ds="http://schemas.openxmlformats.org/officeDocument/2006/customXml" ds:itemID="{23428141-E39A-4C0B-99EE-A9A05E8D0257}">
+  <ds:schemaRefs>
+    <ds:schemaRef ds:uri="http://schemas.microsoft.com/VisualStudio/2011/storyboarding/control"/>
+  </ds:schemaRefs>
+</ds:datastoreItem>
+</file>
+
+<file path=customXml/itemProps10.xml><?xml version="1.0" encoding="utf-8"?>
+<ds:datastoreItem xmlns:ds="http://schemas.openxmlformats.org/officeDocument/2006/customXml" ds:itemID="{20AD3C5B-2FCF-4FA3-870E-275CDDEB63D5}">
+  <ds:schemaRefs>
+    <ds:schemaRef ds:uri="http://schemas.microsoft.com/VisualStudio/2011/storyboarding/control"/>
+  </ds:schemaRefs>
+</ds:datastoreItem>
+</file>
+
+<file path=customXml/itemProps11.xml><?xml version="1.0" encoding="utf-8"?>
+<ds:datastoreItem xmlns:ds="http://schemas.openxmlformats.org/officeDocument/2006/customXml" ds:itemID="{4C37DA4B-FD74-4B5C-9899-26AFDD142B29}">
+  <ds:schemaRefs>
+    <ds:schemaRef ds:uri="http://schemas.microsoft.com/VisualStudio/2011/storyboarding/control"/>
+  </ds:schemaRefs>
+</ds:datastoreItem>
+</file>
+
+<file path=customXml/itemProps12.xml><?xml version="1.0" encoding="utf-8"?>
+<ds:datastoreItem xmlns:ds="http://schemas.openxmlformats.org/officeDocument/2006/customXml" ds:itemID="{E3005F58-756D-4E3D-9437-2E6D3FCDD5FD}">
+  <ds:schemaRefs>
+    <ds:schemaRef ds:uri="http://schemas.microsoft.com/VisualStudio/2011/storyboarding/control"/>
+  </ds:schemaRefs>
+</ds:datastoreItem>
+</file>
+
+<file path=customXml/itemProps13.xml><?xml version="1.0" encoding="utf-8"?>
+<ds:datastoreItem xmlns:ds="http://schemas.openxmlformats.org/officeDocument/2006/customXml" ds:itemID="{784494DF-A351-49FE-8957-308702E57FB0}">
+  <ds:schemaRefs>
+    <ds:schemaRef ds:uri="http://schemas.microsoft.com/VisualStudio/2011/storyboarding/control"/>
+  </ds:schemaRefs>
+</ds:datastoreItem>
+</file>
+
+<file path=customXml/itemProps14.xml><?xml version="1.0" encoding="utf-8"?>
+<ds:datastoreItem xmlns:ds="http://schemas.openxmlformats.org/officeDocument/2006/customXml" ds:itemID="{17319DD1-001E-4C60-835F-B9C9AC9C8909}">
+  <ds:schemaRefs>
+    <ds:schemaRef ds:uri="http://schemas.microsoft.com/VisualStudio/2011/storyboarding/control"/>
+  </ds:schemaRefs>
+</ds:datastoreItem>
+</file>
+
+<file path=customXml/itemProps15.xml><?xml version="1.0" encoding="utf-8"?>
+<ds:datastoreItem xmlns:ds="http://schemas.openxmlformats.org/officeDocument/2006/customXml" ds:itemID="{21619272-9BB7-4049-BB04-862A04446400}">
+  <ds:schemaRefs>
+    <ds:schemaRef ds:uri="http://schemas.microsoft.com/VisualStudio/2011/storyboarding/control"/>
+  </ds:schemaRefs>
+</ds:datastoreItem>
+</file>
+
+<file path=customXml/itemProps16.xml><?xml version="1.0" encoding="utf-8"?>
+<ds:datastoreItem xmlns:ds="http://schemas.openxmlformats.org/officeDocument/2006/customXml" ds:itemID="{6B0B88D2-06C7-4144-81FC-504D02CE0CA6}">
+  <ds:schemaRefs>
+    <ds:schemaRef ds:uri="http://schemas.microsoft.com/VisualStudio/2011/storyboarding/control"/>
+  </ds:schemaRefs>
+</ds:datastoreItem>
+</file>
+
+<file path=customXml/itemProps17.xml><?xml version="1.0" encoding="utf-8"?>
+<ds:datastoreItem xmlns:ds="http://schemas.openxmlformats.org/officeDocument/2006/customXml" ds:itemID="{3434CD0A-E2DB-42D0-9354-7F5D4B101B73}">
+  <ds:schemaRefs>
+    <ds:schemaRef ds:uri="http://schemas.microsoft.com/VisualStudio/2011/storyboarding/control"/>
+  </ds:schemaRefs>
+</ds:datastoreItem>
+</file>
+
+<file path=customXml/itemProps2.xml><?xml version="1.0" encoding="utf-8"?>
 <ds:datastoreItem xmlns:ds="http://schemas.openxmlformats.org/officeDocument/2006/customXml" ds:itemID="{F9342E50-3409-4CBB-9511-A122BDD0F478}">
   <ds:schemaRefs>
     <ds:schemaRef ds:uri="http://schemas.microsoft.com/VisualStudio/2011/storyboarding/control"/>
@@ -13623,7 +13687,7 @@
 </ds:datastoreItem>
 </file>
 
-<file path=customXml/itemProps10.xml><?xml version="1.0" encoding="utf-8"?>
+<file path=customXml/itemProps3.xml><?xml version="1.0" encoding="utf-8"?>
 <ds:datastoreItem xmlns:ds="http://schemas.openxmlformats.org/officeDocument/2006/customXml" ds:itemID="{1313AE88-5F56-4EC9-B115-32F413AC2743}">
   <ds:schemaRefs>
     <ds:schemaRef ds:uri="http://schemas.microsoft.com/VisualStudio/2011/storyboarding/control"/>
@@ -13631,23 +13695,31 @@
 </ds:datastoreItem>
 </file>
 
-<file path=customXml/itemProps11.xml><?xml version="1.0" encoding="utf-8"?>
-<ds:datastoreItem xmlns:ds="http://schemas.openxmlformats.org/officeDocument/2006/customXml" ds:itemID="{17319DD1-001E-4C60-835F-B9C9AC9C8909}">
+<file path=customXml/itemProps4.xml><?xml version="1.0" encoding="utf-8"?>
+<ds:datastoreItem xmlns:ds="http://schemas.openxmlformats.org/officeDocument/2006/customXml" ds:itemID="{C7DFA1DD-EB76-457B-A5E3-B4451C83A666}">
   <ds:schemaRefs>
     <ds:schemaRef ds:uri="http://schemas.microsoft.com/VisualStudio/2011/storyboarding/control"/>
   </ds:schemaRefs>
 </ds:datastoreItem>
 </file>
 
-<file path=customXml/itemProps12.xml><?xml version="1.0" encoding="utf-8"?>
-<ds:datastoreItem xmlns:ds="http://schemas.openxmlformats.org/officeDocument/2006/customXml" ds:itemID="{3434CD0A-E2DB-42D0-9354-7F5D4B101B73}">
+<file path=customXml/itemProps5.xml><?xml version="1.0" encoding="utf-8"?>
+<ds:datastoreItem xmlns:ds="http://schemas.openxmlformats.org/officeDocument/2006/customXml" ds:itemID="{B0B3323F-8294-415B-A825-B53C190B801F}">
   <ds:schemaRefs>
     <ds:schemaRef ds:uri="http://schemas.microsoft.com/VisualStudio/2011/storyboarding/control"/>
   </ds:schemaRefs>
 </ds:datastoreItem>
 </file>
 
-<file path=customXml/itemProps13.xml><?xml version="1.0" encoding="utf-8"?>
+<file path=customXml/itemProps6.xml><?xml version="1.0" encoding="utf-8"?>
+<ds:datastoreItem xmlns:ds="http://schemas.openxmlformats.org/officeDocument/2006/customXml" ds:itemID="{B8137A13-4AB1-44CA-8B11-C445B2AD2029}">
+  <ds:schemaRefs>
+    <ds:schemaRef ds:uri="http://schemas.microsoft.com/VisualStudio/2011/storyboarding/control"/>
+  </ds:schemaRefs>
+</ds:datastoreItem>
+</file>
+
+<file path=customXml/itemProps7.xml><?xml version="1.0" encoding="utf-8"?>
 <ds:datastoreItem xmlns:ds="http://schemas.openxmlformats.org/officeDocument/2006/customXml" ds:itemID="{E615E2F6-5DC6-44FA-942F-6071A4ED7EE2}">
   <ds:schemaRefs>
     <ds:schemaRef ds:uri="http://schemas.microsoft.com/VisualStudio/2011/storyboarding/control"/>
@@ -13655,23 +13727,7 @@
 </ds:datastoreItem>
 </file>
 
-<file path=customXml/itemProps14.xml><?xml version="1.0" encoding="utf-8"?>
-<ds:datastoreItem xmlns:ds="http://schemas.openxmlformats.org/officeDocument/2006/customXml" ds:itemID="{4C37DA4B-FD74-4B5C-9899-26AFDD142B29}">
-  <ds:schemaRefs>
-    <ds:schemaRef ds:uri="http://schemas.microsoft.com/VisualStudio/2011/storyboarding/control"/>
-  </ds:schemaRefs>
-</ds:datastoreItem>
-</file>
-
-<file path=customXml/itemProps15.xml><?xml version="1.0" encoding="utf-8"?>
-<ds:datastoreItem xmlns:ds="http://schemas.openxmlformats.org/officeDocument/2006/customXml" ds:itemID="{5A165FC7-5DD2-4132-9B60-AFA89063A517}">
-  <ds:schemaRefs>
-    <ds:schemaRef ds:uri="http://schemas.microsoft.com/VisualStudio/2011/storyboarding/control"/>
-  </ds:schemaRefs>
-</ds:datastoreItem>
-</file>
-
-<file path=customXml/itemProps16.xml><?xml version="1.0" encoding="utf-8"?>
+<file path=customXml/itemProps8.xml><?xml version="1.0" encoding="utf-8"?>
 <ds:datastoreItem xmlns:ds="http://schemas.openxmlformats.org/officeDocument/2006/customXml" ds:itemID="{78CDAA2F-14F8-4D4B-8D6A-66DEF4F14658}">
   <ds:schemaRefs>
     <ds:schemaRef ds:uri="http://schemas.microsoft.com/VisualStudio/2011/storyboarding/control"/>
@@ -13679,72 +13735,8 @@
 </ds:datastoreItem>
 </file>
 
-<file path=customXml/itemProps17.xml><?xml version="1.0" encoding="utf-8"?>
-<ds:datastoreItem xmlns:ds="http://schemas.openxmlformats.org/officeDocument/2006/customXml" ds:itemID="{784494DF-A351-49FE-8957-308702E57FB0}">
-  <ds:schemaRefs>
-    <ds:schemaRef ds:uri="http://schemas.microsoft.com/VisualStudio/2011/storyboarding/control"/>
-  </ds:schemaRefs>
-</ds:datastoreItem>
-</file>
-
-<file path=customXml/itemProps2.xml><?xml version="1.0" encoding="utf-8"?>
-<ds:datastoreItem xmlns:ds="http://schemas.openxmlformats.org/officeDocument/2006/customXml" ds:itemID="{20AD3C5B-2FCF-4FA3-870E-275CDDEB63D5}">
-  <ds:schemaRefs>
-    <ds:schemaRef ds:uri="http://schemas.microsoft.com/VisualStudio/2011/storyboarding/control"/>
-  </ds:schemaRefs>
-</ds:datastoreItem>
-</file>
-
-<file path=customXml/itemProps3.xml><?xml version="1.0" encoding="utf-8"?>
-<ds:datastoreItem xmlns:ds="http://schemas.openxmlformats.org/officeDocument/2006/customXml" ds:itemID="{C7DFA1DD-EB76-457B-A5E3-B4451C83A666}">
-  <ds:schemaRefs>
-    <ds:schemaRef ds:uri="http://schemas.microsoft.com/VisualStudio/2011/storyboarding/control"/>
-  </ds:schemaRefs>
-</ds:datastoreItem>
-</file>
-
-<file path=customXml/itemProps4.xml><?xml version="1.0" encoding="utf-8"?>
-<ds:datastoreItem xmlns:ds="http://schemas.openxmlformats.org/officeDocument/2006/customXml" ds:itemID="{23428141-E39A-4C0B-99EE-A9A05E8D0257}">
-  <ds:schemaRefs>
-    <ds:schemaRef ds:uri="http://schemas.microsoft.com/VisualStudio/2011/storyboarding/control"/>
-  </ds:schemaRefs>
-</ds:datastoreItem>
-</file>
-
-<file path=customXml/itemProps5.xml><?xml version="1.0" encoding="utf-8"?>
-<ds:datastoreItem xmlns:ds="http://schemas.openxmlformats.org/officeDocument/2006/customXml" ds:itemID="{E3005F58-756D-4E3D-9437-2E6D3FCDD5FD}">
-  <ds:schemaRefs>
-    <ds:schemaRef ds:uri="http://schemas.microsoft.com/VisualStudio/2011/storyboarding/control"/>
-  </ds:schemaRefs>
-</ds:datastoreItem>
-</file>
-
-<file path=customXml/itemProps6.xml><?xml version="1.0" encoding="utf-8"?>
-<ds:datastoreItem xmlns:ds="http://schemas.openxmlformats.org/officeDocument/2006/customXml" ds:itemID="{6B0B88D2-06C7-4144-81FC-504D02CE0CA6}">
-  <ds:schemaRefs>
-    <ds:schemaRef ds:uri="http://schemas.microsoft.com/VisualStudio/2011/storyboarding/control"/>
-  </ds:schemaRefs>
-</ds:datastoreItem>
-</file>
-
-<file path=customXml/itemProps7.xml><?xml version="1.0" encoding="utf-8"?>
-<ds:datastoreItem xmlns:ds="http://schemas.openxmlformats.org/officeDocument/2006/customXml" ds:itemID="{B0B3323F-8294-415B-A825-B53C190B801F}">
-  <ds:schemaRefs>
-    <ds:schemaRef ds:uri="http://schemas.microsoft.com/VisualStudio/2011/storyboarding/control"/>
-  </ds:schemaRefs>
-</ds:datastoreItem>
-</file>
-
-<file path=customXml/itemProps8.xml><?xml version="1.0" encoding="utf-8"?>
-<ds:datastoreItem xmlns:ds="http://schemas.openxmlformats.org/officeDocument/2006/customXml" ds:itemID="{B8137A13-4AB1-44CA-8B11-C445B2AD2029}">
-  <ds:schemaRefs>
-    <ds:schemaRef ds:uri="http://schemas.microsoft.com/VisualStudio/2011/storyboarding/control"/>
-  </ds:schemaRefs>
-</ds:datastoreItem>
-</file>
-
 <file path=customXml/itemProps9.xml><?xml version="1.0" encoding="utf-8"?>
-<ds:datastoreItem xmlns:ds="http://schemas.openxmlformats.org/officeDocument/2006/customXml" ds:itemID="{21619272-9BB7-4049-BB04-862A04446400}">
+<ds:datastoreItem xmlns:ds="http://schemas.openxmlformats.org/officeDocument/2006/customXml" ds:itemID="{5A165FC7-5DD2-4132-9B60-AFA89063A517}">
   <ds:schemaRefs>
     <ds:schemaRef ds:uri="http://schemas.microsoft.com/VisualStudio/2011/storyboarding/control"/>
   </ds:schemaRefs>
